--- a/Files/LOGO.pptx
+++ b/Files/LOGO.pptx
@@ -6,6 +6,7 @@
   </p:sldMasterIdLst>
   <p:sldIdLst>
     <p:sldId id="256" r:id="rId2"/>
+    <p:sldId id="257" r:id="rId3"/>
   </p:sldIdLst>
   <p:sldSz cx="12192000" cy="6858000"/>
   <p:notesSz cx="6858000" cy="9144000"/>
@@ -104,6 +105,11 @@
       </a:defRPr>
     </a:lvl9pPr>
   </p:defaultTextStyle>
+  <p:extLst>
+    <p:ext uri="{EFAFB233-063F-42B5-8137-9DF3F51BA10A}">
+      <p15:sldGuideLst xmlns:p15="http://schemas.microsoft.com/office/powerpoint/2012/main"/>
+    </p:ext>
+  </p:extLst>
 </p:presentation>
 </file>
 
@@ -149,7 +155,7 @@
           </a:lstStyle>
           <a:p>
             <a:r>
-              <a:rPr lang="en-US" smtClean="0"/>
+              <a:rPr lang="en-US"/>
               <a:t>Click to edit Master title style</a:t>
             </a:r>
             <a:endParaRPr lang="en-GB"/>
@@ -214,7 +220,7 @@
           </a:lstStyle>
           <a:p>
             <a:r>
-              <a:rPr lang="en-US" smtClean="0"/>
+              <a:rPr lang="en-US"/>
               <a:t>Click to edit Master subtitle style</a:t>
             </a:r>
             <a:endParaRPr lang="en-GB"/>
@@ -238,7 +244,7 @@
           <a:p>
             <a:fld id="{9634CD8C-1A63-4A11-BBCD-8223A124EB2B}" type="datetimeFigureOut">
               <a:rPr lang="en-GB" smtClean="0"/>
-              <a:t>12/04/2019</a:t>
+              <a:t>18/04/2019</a:t>
             </a:fld>
             <a:endParaRPr lang="en-GB"/>
           </a:p>
@@ -332,7 +338,7 @@
           <a:lstStyle/>
           <a:p>
             <a:r>
-              <a:rPr lang="en-US" smtClean="0"/>
+              <a:rPr lang="en-US"/>
               <a:t>Click to edit Master title style</a:t>
             </a:r>
             <a:endParaRPr lang="en-GB"/>
@@ -356,35 +362,35 @@
           <a:p>
             <a:pPr lvl="0"/>
             <a:r>
-              <a:rPr lang="en-US" smtClean="0"/>
+              <a:rPr lang="en-US"/>
               <a:t>Edit Master text styles</a:t>
             </a:r>
           </a:p>
           <a:p>
             <a:pPr lvl="1"/>
             <a:r>
-              <a:rPr lang="en-US" smtClean="0"/>
+              <a:rPr lang="en-US"/>
               <a:t>Second level</a:t>
             </a:r>
           </a:p>
           <a:p>
             <a:pPr lvl="2"/>
             <a:r>
-              <a:rPr lang="en-US" smtClean="0"/>
+              <a:rPr lang="en-US"/>
               <a:t>Third level</a:t>
             </a:r>
           </a:p>
           <a:p>
             <a:pPr lvl="3"/>
             <a:r>
-              <a:rPr lang="en-US" smtClean="0"/>
+              <a:rPr lang="en-US"/>
               <a:t>Fourth level</a:t>
             </a:r>
           </a:p>
           <a:p>
             <a:pPr lvl="4"/>
             <a:r>
-              <a:rPr lang="en-US" smtClean="0"/>
+              <a:rPr lang="en-US"/>
               <a:t>Fifth level</a:t>
             </a:r>
             <a:endParaRPr lang="en-GB"/>
@@ -408,7 +414,7 @@
           <a:p>
             <a:fld id="{9634CD8C-1A63-4A11-BBCD-8223A124EB2B}" type="datetimeFigureOut">
               <a:rPr lang="en-GB" smtClean="0"/>
-              <a:t>12/04/2019</a:t>
+              <a:t>18/04/2019</a:t>
             </a:fld>
             <a:endParaRPr lang="en-GB"/>
           </a:p>
@@ -507,7 +513,7 @@
           <a:lstStyle/>
           <a:p>
             <a:r>
-              <a:rPr lang="en-US" smtClean="0"/>
+              <a:rPr lang="en-US"/>
               <a:t>Click to edit Master title style</a:t>
             </a:r>
             <a:endParaRPr lang="en-GB"/>
@@ -536,35 +542,35 @@
           <a:p>
             <a:pPr lvl="0"/>
             <a:r>
-              <a:rPr lang="en-US" smtClean="0"/>
+              <a:rPr lang="en-US"/>
               <a:t>Edit Master text styles</a:t>
             </a:r>
           </a:p>
           <a:p>
             <a:pPr lvl="1"/>
             <a:r>
-              <a:rPr lang="en-US" smtClean="0"/>
+              <a:rPr lang="en-US"/>
               <a:t>Second level</a:t>
             </a:r>
           </a:p>
           <a:p>
             <a:pPr lvl="2"/>
             <a:r>
-              <a:rPr lang="en-US" smtClean="0"/>
+              <a:rPr lang="en-US"/>
               <a:t>Third level</a:t>
             </a:r>
           </a:p>
           <a:p>
             <a:pPr lvl="3"/>
             <a:r>
-              <a:rPr lang="en-US" smtClean="0"/>
+              <a:rPr lang="en-US"/>
               <a:t>Fourth level</a:t>
             </a:r>
           </a:p>
           <a:p>
             <a:pPr lvl="4"/>
             <a:r>
-              <a:rPr lang="en-US" smtClean="0"/>
+              <a:rPr lang="en-US"/>
               <a:t>Fifth level</a:t>
             </a:r>
             <a:endParaRPr lang="en-GB"/>
@@ -588,7 +594,7 @@
           <a:p>
             <a:fld id="{9634CD8C-1A63-4A11-BBCD-8223A124EB2B}" type="datetimeFigureOut">
               <a:rPr lang="en-GB" smtClean="0"/>
-              <a:t>12/04/2019</a:t>
+              <a:t>18/04/2019</a:t>
             </a:fld>
             <a:endParaRPr lang="en-GB"/>
           </a:p>
@@ -682,7 +688,7 @@
           <a:lstStyle/>
           <a:p>
             <a:r>
-              <a:rPr lang="en-US" smtClean="0"/>
+              <a:rPr lang="en-US"/>
               <a:t>Click to edit Master title style</a:t>
             </a:r>
             <a:endParaRPr lang="en-GB"/>
@@ -706,35 +712,35 @@
           <a:p>
             <a:pPr lvl="0"/>
             <a:r>
-              <a:rPr lang="en-US" smtClean="0"/>
+              <a:rPr lang="en-US"/>
               <a:t>Edit Master text styles</a:t>
             </a:r>
           </a:p>
           <a:p>
             <a:pPr lvl="1"/>
             <a:r>
-              <a:rPr lang="en-US" smtClean="0"/>
+              <a:rPr lang="en-US"/>
               <a:t>Second level</a:t>
             </a:r>
           </a:p>
           <a:p>
             <a:pPr lvl="2"/>
             <a:r>
-              <a:rPr lang="en-US" smtClean="0"/>
+              <a:rPr lang="en-US"/>
               <a:t>Third level</a:t>
             </a:r>
           </a:p>
           <a:p>
             <a:pPr lvl="3"/>
             <a:r>
-              <a:rPr lang="en-US" smtClean="0"/>
+              <a:rPr lang="en-US"/>
               <a:t>Fourth level</a:t>
             </a:r>
           </a:p>
           <a:p>
             <a:pPr lvl="4"/>
             <a:r>
-              <a:rPr lang="en-US" smtClean="0"/>
+              <a:rPr lang="en-US"/>
               <a:t>Fifth level</a:t>
             </a:r>
             <a:endParaRPr lang="en-GB"/>
@@ -758,7 +764,7 @@
           <a:p>
             <a:fld id="{9634CD8C-1A63-4A11-BBCD-8223A124EB2B}" type="datetimeFigureOut">
               <a:rPr lang="en-GB" smtClean="0"/>
-              <a:t>12/04/2019</a:t>
+              <a:t>18/04/2019</a:t>
             </a:fld>
             <a:endParaRPr lang="en-GB"/>
           </a:p>
@@ -861,7 +867,7 @@
           </a:lstStyle>
           <a:p>
             <a:r>
-              <a:rPr lang="en-US" smtClean="0"/>
+              <a:rPr lang="en-US"/>
               <a:t>Click to edit Master title style</a:t>
             </a:r>
             <a:endParaRPr lang="en-GB"/>
@@ -981,7 +987,7 @@
           <a:p>
             <a:pPr lvl="0"/>
             <a:r>
-              <a:rPr lang="en-US" smtClean="0"/>
+              <a:rPr lang="en-US"/>
               <a:t>Edit Master text styles</a:t>
             </a:r>
           </a:p>
@@ -1004,7 +1010,7 @@
           <a:p>
             <a:fld id="{9634CD8C-1A63-4A11-BBCD-8223A124EB2B}" type="datetimeFigureOut">
               <a:rPr lang="en-GB" smtClean="0"/>
-              <a:t>12/04/2019</a:t>
+              <a:t>18/04/2019</a:t>
             </a:fld>
             <a:endParaRPr lang="en-GB"/>
           </a:p>
@@ -1098,7 +1104,7 @@
           <a:lstStyle/>
           <a:p>
             <a:r>
-              <a:rPr lang="en-US" smtClean="0"/>
+              <a:rPr lang="en-US"/>
               <a:t>Click to edit Master title style</a:t>
             </a:r>
             <a:endParaRPr lang="en-GB"/>
@@ -1127,35 +1133,35 @@
           <a:p>
             <a:pPr lvl="0"/>
             <a:r>
-              <a:rPr lang="en-US" smtClean="0"/>
+              <a:rPr lang="en-US"/>
               <a:t>Edit Master text styles</a:t>
             </a:r>
           </a:p>
           <a:p>
             <a:pPr lvl="1"/>
             <a:r>
-              <a:rPr lang="en-US" smtClean="0"/>
+              <a:rPr lang="en-US"/>
               <a:t>Second level</a:t>
             </a:r>
           </a:p>
           <a:p>
             <a:pPr lvl="2"/>
             <a:r>
-              <a:rPr lang="en-US" smtClean="0"/>
+              <a:rPr lang="en-US"/>
               <a:t>Third level</a:t>
             </a:r>
           </a:p>
           <a:p>
             <a:pPr lvl="3"/>
             <a:r>
-              <a:rPr lang="en-US" smtClean="0"/>
+              <a:rPr lang="en-US"/>
               <a:t>Fourth level</a:t>
             </a:r>
           </a:p>
           <a:p>
             <a:pPr lvl="4"/>
             <a:r>
-              <a:rPr lang="en-US" smtClean="0"/>
+              <a:rPr lang="en-US"/>
               <a:t>Fifth level</a:t>
             </a:r>
             <a:endParaRPr lang="en-GB"/>
@@ -1184,35 +1190,35 @@
           <a:p>
             <a:pPr lvl="0"/>
             <a:r>
-              <a:rPr lang="en-US" smtClean="0"/>
+              <a:rPr lang="en-US"/>
               <a:t>Edit Master text styles</a:t>
             </a:r>
           </a:p>
           <a:p>
             <a:pPr lvl="1"/>
             <a:r>
-              <a:rPr lang="en-US" smtClean="0"/>
+              <a:rPr lang="en-US"/>
               <a:t>Second level</a:t>
             </a:r>
           </a:p>
           <a:p>
             <a:pPr lvl="2"/>
             <a:r>
-              <a:rPr lang="en-US" smtClean="0"/>
+              <a:rPr lang="en-US"/>
               <a:t>Third level</a:t>
             </a:r>
           </a:p>
           <a:p>
             <a:pPr lvl="3"/>
             <a:r>
-              <a:rPr lang="en-US" smtClean="0"/>
+              <a:rPr lang="en-US"/>
               <a:t>Fourth level</a:t>
             </a:r>
           </a:p>
           <a:p>
             <a:pPr lvl="4"/>
             <a:r>
-              <a:rPr lang="en-US" smtClean="0"/>
+              <a:rPr lang="en-US"/>
               <a:t>Fifth level</a:t>
             </a:r>
             <a:endParaRPr lang="en-GB"/>
@@ -1236,7 +1242,7 @@
           <a:p>
             <a:fld id="{9634CD8C-1A63-4A11-BBCD-8223A124EB2B}" type="datetimeFigureOut">
               <a:rPr lang="en-GB" smtClean="0"/>
-              <a:t>12/04/2019</a:t>
+              <a:t>18/04/2019</a:t>
             </a:fld>
             <a:endParaRPr lang="en-GB"/>
           </a:p>
@@ -1335,7 +1341,7 @@
           <a:lstStyle/>
           <a:p>
             <a:r>
-              <a:rPr lang="en-US" smtClean="0"/>
+              <a:rPr lang="en-US"/>
               <a:t>Click to edit Master title style</a:t>
             </a:r>
             <a:endParaRPr lang="en-GB"/>
@@ -1401,7 +1407,7 @@
           <a:p>
             <a:pPr lvl="0"/>
             <a:r>
-              <a:rPr lang="en-US" smtClean="0"/>
+              <a:rPr lang="en-US"/>
               <a:t>Edit Master text styles</a:t>
             </a:r>
           </a:p>
@@ -1429,35 +1435,35 @@
           <a:p>
             <a:pPr lvl="0"/>
             <a:r>
-              <a:rPr lang="en-US" smtClean="0"/>
+              <a:rPr lang="en-US"/>
               <a:t>Edit Master text styles</a:t>
             </a:r>
           </a:p>
           <a:p>
             <a:pPr lvl="1"/>
             <a:r>
-              <a:rPr lang="en-US" smtClean="0"/>
+              <a:rPr lang="en-US"/>
               <a:t>Second level</a:t>
             </a:r>
           </a:p>
           <a:p>
             <a:pPr lvl="2"/>
             <a:r>
-              <a:rPr lang="en-US" smtClean="0"/>
+              <a:rPr lang="en-US"/>
               <a:t>Third level</a:t>
             </a:r>
           </a:p>
           <a:p>
             <a:pPr lvl="3"/>
             <a:r>
-              <a:rPr lang="en-US" smtClean="0"/>
+              <a:rPr lang="en-US"/>
               <a:t>Fourth level</a:t>
             </a:r>
           </a:p>
           <a:p>
             <a:pPr lvl="4"/>
             <a:r>
-              <a:rPr lang="en-US" smtClean="0"/>
+              <a:rPr lang="en-US"/>
               <a:t>Fifth level</a:t>
             </a:r>
             <a:endParaRPr lang="en-GB"/>
@@ -1523,7 +1529,7 @@
           <a:p>
             <a:pPr lvl="0"/>
             <a:r>
-              <a:rPr lang="en-US" smtClean="0"/>
+              <a:rPr lang="en-US"/>
               <a:t>Edit Master text styles</a:t>
             </a:r>
           </a:p>
@@ -1551,35 +1557,35 @@
           <a:p>
             <a:pPr lvl="0"/>
             <a:r>
-              <a:rPr lang="en-US" smtClean="0"/>
+              <a:rPr lang="en-US"/>
               <a:t>Edit Master text styles</a:t>
             </a:r>
           </a:p>
           <a:p>
             <a:pPr lvl="1"/>
             <a:r>
-              <a:rPr lang="en-US" smtClean="0"/>
+              <a:rPr lang="en-US"/>
               <a:t>Second level</a:t>
             </a:r>
           </a:p>
           <a:p>
             <a:pPr lvl="2"/>
             <a:r>
-              <a:rPr lang="en-US" smtClean="0"/>
+              <a:rPr lang="en-US"/>
               <a:t>Third level</a:t>
             </a:r>
           </a:p>
           <a:p>
             <a:pPr lvl="3"/>
             <a:r>
-              <a:rPr lang="en-US" smtClean="0"/>
+              <a:rPr lang="en-US"/>
               <a:t>Fourth level</a:t>
             </a:r>
           </a:p>
           <a:p>
             <a:pPr lvl="4"/>
             <a:r>
-              <a:rPr lang="en-US" smtClean="0"/>
+              <a:rPr lang="en-US"/>
               <a:t>Fifth level</a:t>
             </a:r>
             <a:endParaRPr lang="en-GB"/>
@@ -1603,7 +1609,7 @@
           <a:p>
             <a:fld id="{9634CD8C-1A63-4A11-BBCD-8223A124EB2B}" type="datetimeFigureOut">
               <a:rPr lang="en-GB" smtClean="0"/>
-              <a:t>12/04/2019</a:t>
+              <a:t>18/04/2019</a:t>
             </a:fld>
             <a:endParaRPr lang="en-GB"/>
           </a:p>
@@ -1697,7 +1703,7 @@
           <a:lstStyle/>
           <a:p>
             <a:r>
-              <a:rPr lang="en-US" smtClean="0"/>
+              <a:rPr lang="en-US"/>
               <a:t>Click to edit Master title style</a:t>
             </a:r>
             <a:endParaRPr lang="en-GB"/>
@@ -1721,7 +1727,7 @@
           <a:p>
             <a:fld id="{9634CD8C-1A63-4A11-BBCD-8223A124EB2B}" type="datetimeFigureOut">
               <a:rPr lang="en-GB" smtClean="0"/>
-              <a:t>12/04/2019</a:t>
+              <a:t>18/04/2019</a:t>
             </a:fld>
             <a:endParaRPr lang="en-GB"/>
           </a:p>
@@ -1816,7 +1822,7 @@
           <a:p>
             <a:fld id="{9634CD8C-1A63-4A11-BBCD-8223A124EB2B}" type="datetimeFigureOut">
               <a:rPr lang="en-GB" smtClean="0"/>
-              <a:t>12/04/2019</a:t>
+              <a:t>18/04/2019</a:t>
             </a:fld>
             <a:endParaRPr lang="en-GB"/>
           </a:p>
@@ -1919,7 +1925,7 @@
           </a:lstStyle>
           <a:p>
             <a:r>
-              <a:rPr lang="en-US" smtClean="0"/>
+              <a:rPr lang="en-US"/>
               <a:t>Click to edit Master title style</a:t>
             </a:r>
             <a:endParaRPr lang="en-GB"/>
@@ -1976,35 +1982,35 @@
           <a:p>
             <a:pPr lvl="0"/>
             <a:r>
-              <a:rPr lang="en-US" smtClean="0"/>
+              <a:rPr lang="en-US"/>
               <a:t>Edit Master text styles</a:t>
             </a:r>
           </a:p>
           <a:p>
             <a:pPr lvl="1"/>
             <a:r>
-              <a:rPr lang="en-US" smtClean="0"/>
+              <a:rPr lang="en-US"/>
               <a:t>Second level</a:t>
             </a:r>
           </a:p>
           <a:p>
             <a:pPr lvl="2"/>
             <a:r>
-              <a:rPr lang="en-US" smtClean="0"/>
+              <a:rPr lang="en-US"/>
               <a:t>Third level</a:t>
             </a:r>
           </a:p>
           <a:p>
             <a:pPr lvl="3"/>
             <a:r>
-              <a:rPr lang="en-US" smtClean="0"/>
+              <a:rPr lang="en-US"/>
               <a:t>Fourth level</a:t>
             </a:r>
           </a:p>
           <a:p>
             <a:pPr lvl="4"/>
             <a:r>
-              <a:rPr lang="en-US" smtClean="0"/>
+              <a:rPr lang="en-US"/>
               <a:t>Fifth level</a:t>
             </a:r>
             <a:endParaRPr lang="en-GB"/>
@@ -2070,7 +2076,7 @@
           <a:p>
             <a:pPr lvl="0"/>
             <a:r>
-              <a:rPr lang="en-US" smtClean="0"/>
+              <a:rPr lang="en-US"/>
               <a:t>Edit Master text styles</a:t>
             </a:r>
           </a:p>
@@ -2093,7 +2099,7 @@
           <a:p>
             <a:fld id="{9634CD8C-1A63-4A11-BBCD-8223A124EB2B}" type="datetimeFigureOut">
               <a:rPr lang="en-GB" smtClean="0"/>
-              <a:t>12/04/2019</a:t>
+              <a:t>18/04/2019</a:t>
             </a:fld>
             <a:endParaRPr lang="en-GB"/>
           </a:p>
@@ -2196,7 +2202,7 @@
           </a:lstStyle>
           <a:p>
             <a:r>
-              <a:rPr lang="en-US" smtClean="0"/>
+              <a:rPr lang="en-US"/>
               <a:t>Click to edit Master title style</a:t>
             </a:r>
             <a:endParaRPr lang="en-GB"/>
@@ -2323,7 +2329,7 @@
           <a:p>
             <a:pPr lvl="0"/>
             <a:r>
-              <a:rPr lang="en-US" smtClean="0"/>
+              <a:rPr lang="en-US"/>
               <a:t>Edit Master text styles</a:t>
             </a:r>
           </a:p>
@@ -2346,7 +2352,7 @@
           <a:p>
             <a:fld id="{9634CD8C-1A63-4A11-BBCD-8223A124EB2B}" type="datetimeFigureOut">
               <a:rPr lang="en-GB" smtClean="0"/>
-              <a:t>12/04/2019</a:t>
+              <a:t>18/04/2019</a:t>
             </a:fld>
             <a:endParaRPr lang="en-GB"/>
           </a:p>
@@ -2455,7 +2461,7 @@
           <a:lstStyle/>
           <a:p>
             <a:r>
-              <a:rPr lang="en-US" smtClean="0"/>
+              <a:rPr lang="en-US"/>
               <a:t>Click to edit Master title style</a:t>
             </a:r>
             <a:endParaRPr lang="en-GB"/>
@@ -2489,35 +2495,35 @@
           <a:p>
             <a:pPr lvl="0"/>
             <a:r>
-              <a:rPr lang="en-US" smtClean="0"/>
+              <a:rPr lang="en-US"/>
               <a:t>Edit Master text styles</a:t>
             </a:r>
           </a:p>
           <a:p>
             <a:pPr lvl="1"/>
             <a:r>
-              <a:rPr lang="en-US" smtClean="0"/>
+              <a:rPr lang="en-US"/>
               <a:t>Second level</a:t>
             </a:r>
           </a:p>
           <a:p>
             <a:pPr lvl="2"/>
             <a:r>
-              <a:rPr lang="en-US" smtClean="0"/>
+              <a:rPr lang="en-US"/>
               <a:t>Third level</a:t>
             </a:r>
           </a:p>
           <a:p>
             <a:pPr lvl="3"/>
             <a:r>
-              <a:rPr lang="en-US" smtClean="0"/>
+              <a:rPr lang="en-US"/>
               <a:t>Fourth level</a:t>
             </a:r>
           </a:p>
           <a:p>
             <a:pPr lvl="4"/>
             <a:r>
-              <a:rPr lang="en-US" smtClean="0"/>
+              <a:rPr lang="en-US"/>
               <a:t>Fifth level</a:t>
             </a:r>
             <a:endParaRPr lang="en-GB"/>
@@ -2559,7 +2565,7 @@
           <a:p>
             <a:fld id="{9634CD8C-1A63-4A11-BBCD-8223A124EB2B}" type="datetimeFigureOut">
               <a:rPr lang="en-GB" smtClean="0"/>
-              <a:t>12/04/2019</a:t>
+              <a:t>18/04/2019</a:t>
             </a:fld>
             <a:endParaRPr lang="en-GB"/>
           </a:p>
@@ -2972,12 +2978,18 @@
         </p:nvSpPr>
         <p:spPr>
           <a:xfrm>
-            <a:off x="205483" y="-1762134"/>
-            <a:ext cx="4397829" cy="10145486"/>
+            <a:off x="409495" y="-1927460"/>
+            <a:ext cx="10705639" cy="10463029"/>
           </a:xfrm>
           <a:prstGeom prst="roundRect">
             <a:avLst/>
           </a:prstGeom>
+          <a:solidFill>
+            <a:srgbClr val="212121"/>
+          </a:solidFill>
+          <a:ln>
+            <a:noFill/>
+          </a:ln>
         </p:spPr>
         <p:style>
           <a:lnRef idx="2">
@@ -3150,8 +3162,8 @@
         </p:nvSpPr>
         <p:spPr>
           <a:xfrm>
-            <a:off x="1262536" y="-1228360"/>
-            <a:ext cx="2283718" cy="2785378"/>
+            <a:off x="1279717" y="-1503223"/>
+            <a:ext cx="2283717" cy="3323987"/>
           </a:xfrm>
           <a:prstGeom prst="rect">
             <a:avLst/>
@@ -3166,22 +3178,15 @@
           <a:p>
             <a:pPr algn="ctr"/>
             <a:r>
-              <a:rPr lang="en-GB" sz="17500" b="1" dirty="0" smtClean="0">
+              <a:rPr lang="en-GB" sz="21000" b="1" dirty="0">
                 <a:solidFill>
-                  <a:schemeClr val="bg1"/>
+                  <a:srgbClr val="212121"/>
                 </a:solidFill>
-                <a:latin typeface="Arial" panose="020B0604020202020204" pitchFamily="34" charset="0"/>
-                <a:cs typeface="Arial" panose="020B0604020202020204" pitchFamily="34" charset="0"/>
+                <a:latin typeface="Consolas" panose="020B0609020204030204" pitchFamily="49" charset="0"/>
+                <a:cs typeface="Consolas" panose="020B0609020204030204" pitchFamily="49" charset="0"/>
               </a:rPr>
               <a:t>T</a:t>
             </a:r>
-            <a:endParaRPr lang="en-GB" sz="17500" b="1" dirty="0">
-              <a:solidFill>
-                <a:schemeClr val="bg1"/>
-              </a:solidFill>
-              <a:latin typeface="Arial" panose="020B0604020202020204" pitchFamily="34" charset="0"/>
-              <a:cs typeface="Arial" panose="020B0604020202020204" pitchFamily="34" charset="0"/>
-            </a:endParaRPr>
           </a:p>
         </p:txBody>
       </p:sp>
@@ -3193,8 +3198,8 @@
         </p:nvSpPr>
         <p:spPr>
           <a:xfrm>
-            <a:off x="1262537" y="1879447"/>
-            <a:ext cx="2283717" cy="2785378"/>
+            <a:off x="1262535" y="1568578"/>
+            <a:ext cx="2283718" cy="3323987"/>
           </a:xfrm>
           <a:prstGeom prst="rect">
             <a:avLst/>
@@ -3209,21 +3214,21 @@
           <a:p>
             <a:pPr algn="ctr"/>
             <a:r>
-              <a:rPr lang="en-GB" sz="17500" b="1" dirty="0" smtClean="0">
+              <a:rPr lang="en-GB" sz="21000" b="1" dirty="0">
                 <a:solidFill>
-                  <a:schemeClr val="bg1"/>
+                  <a:srgbClr val="212121"/>
                 </a:solidFill>
-                <a:latin typeface="Arial" panose="020B0604020202020204" pitchFamily="34" charset="0"/>
-                <a:cs typeface="Arial" panose="020B0604020202020204" pitchFamily="34" charset="0"/>
+                <a:latin typeface="Consolas" panose="020B0609020204030204" pitchFamily="49" charset="0"/>
+                <a:cs typeface="Consolas" panose="020B0609020204030204" pitchFamily="49" charset="0"/>
               </a:rPr>
               <a:t>L</a:t>
             </a:r>
-            <a:endParaRPr lang="en-GB" sz="17500" b="1" dirty="0">
+            <a:endParaRPr lang="en-GB" sz="30200" b="1" dirty="0">
               <a:solidFill>
-                <a:schemeClr val="bg1"/>
+                <a:srgbClr val="212121"/>
               </a:solidFill>
-              <a:latin typeface="Arial" panose="020B0604020202020204" pitchFamily="34" charset="0"/>
-              <a:cs typeface="Arial" panose="020B0604020202020204" pitchFamily="34" charset="0"/>
+              <a:latin typeface="Consolas" panose="020B0609020204030204" pitchFamily="49" charset="0"/>
+              <a:cs typeface="Consolas" panose="020B0609020204030204" pitchFamily="49" charset="0"/>
             </a:endParaRPr>
           </a:p>
         </p:txBody>
@@ -3236,8 +3241,8 @@
         </p:nvSpPr>
         <p:spPr>
           <a:xfrm>
-            <a:off x="1262537" y="5064200"/>
-            <a:ext cx="2283718" cy="2862322"/>
+            <a:off x="1279717" y="4738108"/>
+            <a:ext cx="2266536" cy="3323987"/>
           </a:xfrm>
           <a:prstGeom prst="rect">
             <a:avLst/>
@@ -3252,22 +3257,15 @@
           <a:p>
             <a:pPr algn="ctr"/>
             <a:r>
-              <a:rPr lang="en-GB" sz="17500" b="1" dirty="0" smtClean="0">
+              <a:rPr lang="en-GB" sz="21000" b="1" dirty="0">
                 <a:solidFill>
-                  <a:schemeClr val="bg1"/>
+                  <a:srgbClr val="212121"/>
                 </a:solidFill>
-                <a:latin typeface="Arial" panose="020B0604020202020204" pitchFamily="34" charset="0"/>
-                <a:cs typeface="Arial" panose="020B0604020202020204" pitchFamily="34" charset="0"/>
+                <a:latin typeface="Consolas" panose="020B0609020204030204" pitchFamily="49" charset="0"/>
+                <a:cs typeface="Consolas" panose="020B0609020204030204" pitchFamily="49" charset="0"/>
               </a:rPr>
-              <a:t>M</a:t>
-            </a:r>
-            <a:endParaRPr lang="en-GB" sz="17500" b="1" dirty="0">
-              <a:solidFill>
-                <a:schemeClr val="bg1"/>
-              </a:solidFill>
-              <a:latin typeface="Arial" panose="020B0604020202020204" pitchFamily="34" charset="0"/>
-              <a:cs typeface="Arial" panose="020B0604020202020204" pitchFamily="34" charset="0"/>
-            </a:endParaRPr>
+              <a:t>S</a:t>
+            </a:r>
           </a:p>
         </p:txBody>
       </p:sp>
@@ -3279,8 +3277,8 @@
         </p:nvSpPr>
         <p:spPr>
           <a:xfrm>
-            <a:off x="3546254" y="-1228360"/>
-            <a:ext cx="9444249" cy="2785378"/>
+            <a:off x="3546254" y="-1159536"/>
+            <a:ext cx="6031699" cy="2785378"/>
           </a:xfrm>
           <a:prstGeom prst="rect">
             <a:avLst/>
@@ -3294,12 +3292,13 @@
           <a:lstStyle/>
           <a:p>
             <a:r>
-              <a:rPr lang="en-GB" sz="17500" b="1" spc="600" dirty="0" err="1" smtClean="0">
+              <a:rPr lang="en-GB" sz="17500" b="1" spc="600" dirty="0" err="1">
                 <a:solidFill>
                   <a:srgbClr val="FF6161"/>
                 </a:solidFill>
-                <a:latin typeface="Arial" panose="020B0604020202020204" pitchFamily="34" charset="0"/>
-                <a:cs typeface="Arial" panose="020B0604020202020204" pitchFamily="34" charset="0"/>
+                <a:latin typeface="Century Gothic" panose="020B0502020202020204" pitchFamily="34" charset="0"/>
+                <a:ea typeface="Microsoft GothicNeo" panose="020B0503020000020004" pitchFamily="34" charset="-127"/>
+                <a:cs typeface="Microsoft Sans Serif" panose="020B0604020202020204" pitchFamily="34" charset="0"/>
               </a:rPr>
               <a:t>raffic</a:t>
             </a:r>
@@ -3307,8 +3306,9 @@
               <a:solidFill>
                 <a:srgbClr val="FF6161"/>
               </a:solidFill>
-              <a:latin typeface="Arial" panose="020B0604020202020204" pitchFamily="34" charset="0"/>
-              <a:cs typeface="Arial" panose="020B0604020202020204" pitchFamily="34" charset="0"/>
+              <a:latin typeface="Century Gothic" panose="020B0502020202020204" pitchFamily="34" charset="0"/>
+              <a:ea typeface="Microsoft GothicNeo" panose="020B0503020000020004" pitchFamily="34" charset="-127"/>
+              <a:cs typeface="Microsoft Sans Serif" panose="020B0604020202020204" pitchFamily="34" charset="0"/>
             </a:endParaRPr>
           </a:p>
         </p:txBody>
@@ -3321,8 +3321,8 @@
         </p:nvSpPr>
         <p:spPr>
           <a:xfrm>
-            <a:off x="3546254" y="1879447"/>
-            <a:ext cx="7532915" cy="2785378"/>
+            <a:off x="3546254" y="1899111"/>
+            <a:ext cx="4512865" cy="2785378"/>
           </a:xfrm>
           <a:prstGeom prst="rect">
             <a:avLst/>
@@ -3336,11 +3336,11 @@
           <a:lstStyle/>
           <a:p>
             <a:r>
-              <a:rPr lang="en-GB" sz="17500" b="1" spc="600" dirty="0" err="1" smtClean="0">
+              <a:rPr lang="en-GB" sz="17500" b="1" spc="600" dirty="0" err="1">
                 <a:solidFill>
                   <a:srgbClr val="FFC000"/>
                 </a:solidFill>
-                <a:latin typeface="Arial" panose="020B0604020202020204" pitchFamily="34" charset="0"/>
+                <a:latin typeface="Century Gothic" panose="020B0502020202020204" pitchFamily="34" charset="0"/>
                 <a:cs typeface="Arial" panose="020B0604020202020204" pitchFamily="34" charset="0"/>
               </a:rPr>
               <a:t>ight</a:t>
@@ -3349,7 +3349,7 @@
               <a:solidFill>
                 <a:srgbClr val="FFC000"/>
               </a:solidFill>
-              <a:latin typeface="Arial" panose="020B0604020202020204" pitchFamily="34" charset="0"/>
+              <a:latin typeface="Century Gothic" panose="020B0502020202020204" pitchFamily="34" charset="0"/>
               <a:cs typeface="Arial" panose="020B0604020202020204" pitchFamily="34" charset="0"/>
             </a:endParaRPr>
           </a:p>
@@ -3363,8 +3363,8 @@
         </p:nvSpPr>
         <p:spPr>
           <a:xfrm>
-            <a:off x="3546254" y="5102672"/>
-            <a:ext cx="12613347" cy="2785378"/>
+            <a:off x="3546255" y="5112504"/>
+            <a:ext cx="7023590" cy="2785378"/>
           </a:xfrm>
           <a:prstGeom prst="rect">
             <a:avLst/>
@@ -3378,22 +3378,224 @@
           <a:lstStyle/>
           <a:p>
             <a:r>
-              <a:rPr lang="en-GB" sz="17500" b="1" spc="600" dirty="0" err="1" smtClean="0">
+              <a:rPr lang="en-GB" sz="17500" b="1" spc="600" dirty="0" err="1">
                 <a:solidFill>
                   <a:srgbClr val="92D050"/>
                 </a:solidFill>
-                <a:latin typeface="Arial" panose="020B0604020202020204" pitchFamily="34" charset="0"/>
+                <a:latin typeface="Century Gothic" panose="020B0502020202020204" pitchFamily="34" charset="0"/>
                 <a:cs typeface="Arial" panose="020B0604020202020204" pitchFamily="34" charset="0"/>
               </a:rPr>
-              <a:t>anagement</a:t>
+              <a:t>ystem</a:t>
             </a:r>
             <a:endParaRPr lang="en-GB" sz="17500" b="1" spc="600" dirty="0">
               <a:solidFill>
                 <a:srgbClr val="92D050"/>
               </a:solidFill>
-              <a:latin typeface="Arial" panose="020B0604020202020204" pitchFamily="34" charset="0"/>
+              <a:latin typeface="Century Gothic" panose="020B0502020202020204" pitchFamily="34" charset="0"/>
               <a:cs typeface="Arial" panose="020B0604020202020204" pitchFamily="34" charset="0"/>
             </a:endParaRPr>
+          </a:p>
+        </p:txBody>
+      </p:sp>
+      <p:sp>
+        <p:nvSpPr>
+          <p:cNvPr id="20" name="Rounded Rectangle 19">
+            <a:extLst>
+              <a:ext uri="{FF2B5EF4-FFF2-40B4-BE49-F238E27FC236}">
+                <a16:creationId xmlns:a16="http://schemas.microsoft.com/office/drawing/2014/main" id="{565AFB9D-0231-F545-B44E-FFBF54DD4642}"/>
+              </a:ext>
+            </a:extLst>
+          </p:cNvPr>
+          <p:cNvSpPr/>
+          <p:nvPr/>
+        </p:nvSpPr>
+        <p:spPr>
+          <a:xfrm>
+            <a:off x="-5045389" y="-2903992"/>
+            <a:ext cx="4397829" cy="10145486"/>
+          </a:xfrm>
+          <a:prstGeom prst="roundRect">
+            <a:avLst/>
+          </a:prstGeom>
+        </p:spPr>
+        <p:style>
+          <a:lnRef idx="2">
+            <a:schemeClr val="dk1">
+              <a:shade val="50000"/>
+            </a:schemeClr>
+          </a:lnRef>
+          <a:fillRef idx="1">
+            <a:schemeClr val="dk1"/>
+          </a:fillRef>
+          <a:effectRef idx="0">
+            <a:schemeClr val="dk1"/>
+          </a:effectRef>
+          <a:fontRef idx="minor">
+            <a:schemeClr val="lt1"/>
+          </a:fontRef>
+        </p:style>
+        <p:txBody>
+          <a:bodyPr rtlCol="0" anchor="ctr"/>
+          <a:lstStyle/>
+          <a:p>
+            <a:pPr algn="ctr"/>
+            <a:endParaRPr lang="en-GB" b="1"/>
+          </a:p>
+        </p:txBody>
+      </p:sp>
+      <p:sp>
+        <p:nvSpPr>
+          <p:cNvPr id="21" name="Oval 20">
+            <a:extLst>
+              <a:ext uri="{FF2B5EF4-FFF2-40B4-BE49-F238E27FC236}">
+                <a16:creationId xmlns:a16="http://schemas.microsoft.com/office/drawing/2014/main" id="{9084FD23-88D0-7B41-B853-870E4F23B8DE}"/>
+              </a:ext>
+            </a:extLst>
+          </p:cNvPr>
+          <p:cNvSpPr/>
+          <p:nvPr/>
+        </p:nvSpPr>
+        <p:spPr>
+          <a:xfrm>
+            <a:off x="-3988331" y="-2157859"/>
+            <a:ext cx="2283715" cy="2283715"/>
+          </a:xfrm>
+          <a:prstGeom prst="ellipse">
+            <a:avLst/>
+          </a:prstGeom>
+          <a:solidFill>
+            <a:srgbClr val="FF6161"/>
+          </a:solidFill>
+          <a:ln>
+            <a:noFill/>
+          </a:ln>
+        </p:spPr>
+        <p:style>
+          <a:lnRef idx="2">
+            <a:schemeClr val="accent1">
+              <a:shade val="50000"/>
+            </a:schemeClr>
+          </a:lnRef>
+          <a:fillRef idx="1">
+            <a:schemeClr val="accent1"/>
+          </a:fillRef>
+          <a:effectRef idx="0">
+            <a:schemeClr val="accent1"/>
+          </a:effectRef>
+          <a:fontRef idx="minor">
+            <a:schemeClr val="lt1"/>
+          </a:fontRef>
+        </p:style>
+        <p:txBody>
+          <a:bodyPr rtlCol="0" anchor="ctr"/>
+          <a:lstStyle/>
+          <a:p>
+            <a:pPr algn="ctr"/>
+            <a:endParaRPr lang="en-GB" b="1"/>
+          </a:p>
+        </p:txBody>
+      </p:sp>
+      <p:sp>
+        <p:nvSpPr>
+          <p:cNvPr id="22" name="Oval 21">
+            <a:extLst>
+              <a:ext uri="{FF2B5EF4-FFF2-40B4-BE49-F238E27FC236}">
+                <a16:creationId xmlns:a16="http://schemas.microsoft.com/office/drawing/2014/main" id="{12C82CFD-08C7-994C-A4E1-1EBFB6FFC5E4}"/>
+              </a:ext>
+            </a:extLst>
+          </p:cNvPr>
+          <p:cNvSpPr/>
+          <p:nvPr/>
+        </p:nvSpPr>
+        <p:spPr>
+          <a:xfrm>
+            <a:off x="-3988332" y="4211646"/>
+            <a:ext cx="2283715" cy="2283715"/>
+          </a:xfrm>
+          <a:prstGeom prst="ellipse">
+            <a:avLst/>
+          </a:prstGeom>
+          <a:solidFill>
+            <a:srgbClr val="92D050"/>
+          </a:solidFill>
+          <a:ln>
+            <a:noFill/>
+          </a:ln>
+        </p:spPr>
+        <p:style>
+          <a:lnRef idx="2">
+            <a:schemeClr val="accent1">
+              <a:shade val="50000"/>
+            </a:schemeClr>
+          </a:lnRef>
+          <a:fillRef idx="1">
+            <a:schemeClr val="accent1"/>
+          </a:fillRef>
+          <a:effectRef idx="0">
+            <a:schemeClr val="accent1"/>
+          </a:effectRef>
+          <a:fontRef idx="minor">
+            <a:schemeClr val="lt1"/>
+          </a:fontRef>
+        </p:style>
+        <p:txBody>
+          <a:bodyPr rtlCol="0" anchor="ctr"/>
+          <a:lstStyle/>
+          <a:p>
+            <a:pPr algn="ctr"/>
+            <a:endParaRPr lang="en-GB" b="1"/>
+          </a:p>
+        </p:txBody>
+      </p:sp>
+      <p:sp>
+        <p:nvSpPr>
+          <p:cNvPr id="23" name="Oval 22">
+            <a:extLst>
+              <a:ext uri="{FF2B5EF4-FFF2-40B4-BE49-F238E27FC236}">
+                <a16:creationId xmlns:a16="http://schemas.microsoft.com/office/drawing/2014/main" id="{D8DD0C36-2E93-C44B-AF75-EDFC49C31737}"/>
+              </a:ext>
+            </a:extLst>
+          </p:cNvPr>
+          <p:cNvSpPr/>
+          <p:nvPr/>
+        </p:nvSpPr>
+        <p:spPr>
+          <a:xfrm>
+            <a:off x="-3988333" y="1026893"/>
+            <a:ext cx="2283716" cy="2283716"/>
+          </a:xfrm>
+          <a:prstGeom prst="ellipse">
+            <a:avLst/>
+          </a:prstGeom>
+          <a:solidFill>
+            <a:srgbClr val="FFC000"/>
+          </a:solidFill>
+          <a:ln>
+            <a:noFill/>
+          </a:ln>
+        </p:spPr>
+        <p:style>
+          <a:lnRef idx="2">
+            <a:schemeClr val="accent1">
+              <a:shade val="50000"/>
+            </a:schemeClr>
+          </a:lnRef>
+          <a:fillRef idx="1">
+            <a:schemeClr val="accent1"/>
+          </a:fillRef>
+          <a:effectRef idx="0">
+            <a:schemeClr val="accent1"/>
+          </a:effectRef>
+          <a:fontRef idx="minor">
+            <a:schemeClr val="lt1"/>
+          </a:fontRef>
+        </p:style>
+        <p:txBody>
+          <a:bodyPr rtlCol="0" anchor="ctr"/>
+          <a:lstStyle/>
+          <a:p>
+            <a:pPr algn="ctr"/>
+            <a:endParaRPr lang="en-GB" b="1"/>
           </a:p>
         </p:txBody>
       </p:sp>
@@ -3401,6 +3603,259 @@
     <p:extLst>
       <p:ext uri="{BB962C8B-B14F-4D97-AF65-F5344CB8AC3E}">
         <p14:creationId xmlns:p14="http://schemas.microsoft.com/office/powerpoint/2010/main" val="3391966727"/>
+      </p:ext>
+    </p:extLst>
+  </p:cSld>
+  <p:clrMapOvr>
+    <a:masterClrMapping/>
+  </p:clrMapOvr>
+</p:sld>
+</file>
+
+<file path=ppt/slides/slide2.xml><?xml version="1.0" encoding="utf-8"?>
+<p:sld xmlns:a="http://schemas.openxmlformats.org/drawingml/2006/main" xmlns:r="http://schemas.openxmlformats.org/officeDocument/2006/relationships" xmlns:p="http://schemas.openxmlformats.org/presentationml/2006/main">
+  <p:cSld>
+    <p:spTree>
+      <p:nvGrpSpPr>
+        <p:cNvPr id="1" name=""/>
+        <p:cNvGrpSpPr/>
+        <p:nvPr/>
+      </p:nvGrpSpPr>
+      <p:grpSpPr>
+        <a:xfrm>
+          <a:off x="0" y="0"/>
+          <a:ext cx="0" cy="0"/>
+          <a:chOff x="0" y="0"/>
+          <a:chExt cx="0" cy="0"/>
+        </a:xfrm>
+      </p:grpSpPr>
+      <p:sp>
+        <p:nvSpPr>
+          <p:cNvPr id="4" name="Rounded Rectangle 3">
+            <a:extLst>
+              <a:ext uri="{FF2B5EF4-FFF2-40B4-BE49-F238E27FC236}">
+                <a16:creationId xmlns:a16="http://schemas.microsoft.com/office/drawing/2014/main" id="{35AE746D-D396-904D-B151-952C18D80986}"/>
+              </a:ext>
+            </a:extLst>
+          </p:cNvPr>
+          <p:cNvSpPr/>
+          <p:nvPr/>
+        </p:nvSpPr>
+        <p:spPr>
+          <a:xfrm>
+            <a:off x="1430482" y="322118"/>
+            <a:ext cx="9331037" cy="6213764"/>
+          </a:xfrm>
+          <a:prstGeom prst="roundRect">
+            <a:avLst/>
+          </a:prstGeom>
+          <a:ln>
+            <a:noFill/>
+          </a:ln>
+        </p:spPr>
+        <p:style>
+          <a:lnRef idx="2">
+            <a:schemeClr val="dk1">
+              <a:shade val="50000"/>
+            </a:schemeClr>
+          </a:lnRef>
+          <a:fillRef idx="1">
+            <a:schemeClr val="dk1"/>
+          </a:fillRef>
+          <a:effectRef idx="0">
+            <a:schemeClr val="dk1"/>
+          </a:effectRef>
+          <a:fontRef idx="minor">
+            <a:schemeClr val="lt1"/>
+          </a:fontRef>
+        </p:style>
+        <p:txBody>
+          <a:bodyPr rtlCol="0" anchor="ctr"/>
+          <a:lstStyle/>
+          <a:p>
+            <a:pPr algn="ctr"/>
+            <a:endParaRPr lang="en-US" dirty="0"/>
+          </a:p>
+        </p:txBody>
+      </p:sp>
+      <p:sp>
+        <p:nvSpPr>
+          <p:cNvPr id="5" name="Rounded Rectangle 4">
+            <a:extLst>
+              <a:ext uri="{FF2B5EF4-FFF2-40B4-BE49-F238E27FC236}">
+                <a16:creationId xmlns:a16="http://schemas.microsoft.com/office/drawing/2014/main" id="{7D46D128-183D-5449-8AF3-11CDD7E0D9EC}"/>
+              </a:ext>
+            </a:extLst>
+          </p:cNvPr>
+          <p:cNvSpPr/>
+          <p:nvPr/>
+        </p:nvSpPr>
+        <p:spPr>
+          <a:xfrm>
+            <a:off x="1925782" y="2649682"/>
+            <a:ext cx="8340436" cy="1558636"/>
+          </a:xfrm>
+          <a:prstGeom prst="roundRect">
+            <a:avLst/>
+          </a:prstGeom>
+          <a:solidFill>
+            <a:srgbClr val="FFC000"/>
+          </a:solidFill>
+          <a:ln>
+            <a:noFill/>
+          </a:ln>
+        </p:spPr>
+        <p:style>
+          <a:lnRef idx="2">
+            <a:schemeClr val="accent1">
+              <a:shade val="50000"/>
+            </a:schemeClr>
+          </a:lnRef>
+          <a:fillRef idx="1">
+            <a:schemeClr val="accent1"/>
+          </a:fillRef>
+          <a:effectRef idx="0">
+            <a:schemeClr val="accent1"/>
+          </a:effectRef>
+          <a:fontRef idx="minor">
+            <a:schemeClr val="lt1"/>
+          </a:fontRef>
+        </p:style>
+        <p:txBody>
+          <a:bodyPr rtlCol="0" anchor="ctr"/>
+          <a:lstStyle/>
+          <a:p>
+            <a:pPr algn="ctr"/>
+            <a:r>
+              <a:rPr lang="en-US" sz="11500" b="1" spc="600" dirty="0">
+                <a:latin typeface="Arial" panose="020B0604020202020204" pitchFamily="34" charset="0"/>
+                <a:cs typeface="Arial" panose="020B0604020202020204" pitchFamily="34" charset="0"/>
+              </a:rPr>
+              <a:t>Traffic</a:t>
+            </a:r>
+          </a:p>
+        </p:txBody>
+      </p:sp>
+      <p:sp>
+        <p:nvSpPr>
+          <p:cNvPr id="6" name="Rounded Rectangle 5">
+            <a:extLst>
+              <a:ext uri="{FF2B5EF4-FFF2-40B4-BE49-F238E27FC236}">
+                <a16:creationId xmlns:a16="http://schemas.microsoft.com/office/drawing/2014/main" id="{57CB7414-07F4-9E45-B96A-1590DA327B30}"/>
+              </a:ext>
+            </a:extLst>
+          </p:cNvPr>
+          <p:cNvSpPr/>
+          <p:nvPr/>
+        </p:nvSpPr>
+        <p:spPr>
+          <a:xfrm>
+            <a:off x="1925782" y="800100"/>
+            <a:ext cx="8340437" cy="1558636"/>
+          </a:xfrm>
+          <a:prstGeom prst="roundRect">
+            <a:avLst/>
+          </a:prstGeom>
+          <a:solidFill>
+            <a:srgbClr val="FF7979"/>
+          </a:solidFill>
+          <a:ln>
+            <a:noFill/>
+          </a:ln>
+        </p:spPr>
+        <p:style>
+          <a:lnRef idx="2">
+            <a:schemeClr val="accent1">
+              <a:shade val="50000"/>
+            </a:schemeClr>
+          </a:lnRef>
+          <a:fillRef idx="1">
+            <a:schemeClr val="accent1"/>
+          </a:fillRef>
+          <a:effectRef idx="0">
+            <a:schemeClr val="accent1"/>
+          </a:effectRef>
+          <a:fontRef idx="minor">
+            <a:schemeClr val="lt1"/>
+          </a:fontRef>
+        </p:style>
+        <p:txBody>
+          <a:bodyPr rtlCol="0" anchor="ctr"/>
+          <a:lstStyle/>
+          <a:p>
+            <a:pPr algn="ctr"/>
+            <a:r>
+              <a:rPr lang="en-US" sz="11500" b="1" spc="600" dirty="0">
+                <a:latin typeface="Arial" panose="020B0604020202020204" pitchFamily="34" charset="0"/>
+                <a:cs typeface="Arial" panose="020B0604020202020204" pitchFamily="34" charset="0"/>
+              </a:rPr>
+              <a:t>Lightning</a:t>
+            </a:r>
+          </a:p>
+        </p:txBody>
+      </p:sp>
+      <p:sp>
+        <p:nvSpPr>
+          <p:cNvPr id="7" name="Rounded Rectangle 6">
+            <a:extLst>
+              <a:ext uri="{FF2B5EF4-FFF2-40B4-BE49-F238E27FC236}">
+                <a16:creationId xmlns:a16="http://schemas.microsoft.com/office/drawing/2014/main" id="{BAD7E322-6AF1-8F4F-90B6-3538E84F3665}"/>
+              </a:ext>
+            </a:extLst>
+          </p:cNvPr>
+          <p:cNvSpPr/>
+          <p:nvPr/>
+        </p:nvSpPr>
+        <p:spPr>
+          <a:xfrm>
+            <a:off x="1925781" y="4499264"/>
+            <a:ext cx="8340438" cy="1558636"/>
+          </a:xfrm>
+          <a:prstGeom prst="roundRect">
+            <a:avLst/>
+          </a:prstGeom>
+          <a:solidFill>
+            <a:srgbClr val="92D050"/>
+          </a:solidFill>
+          <a:ln>
+            <a:noFill/>
+          </a:ln>
+        </p:spPr>
+        <p:style>
+          <a:lnRef idx="2">
+            <a:schemeClr val="accent1">
+              <a:shade val="50000"/>
+            </a:schemeClr>
+          </a:lnRef>
+          <a:fillRef idx="1">
+            <a:schemeClr val="accent1"/>
+          </a:fillRef>
+          <a:effectRef idx="0">
+            <a:schemeClr val="accent1"/>
+          </a:effectRef>
+          <a:fontRef idx="minor">
+            <a:schemeClr val="lt1"/>
+          </a:fontRef>
+        </p:style>
+        <p:txBody>
+          <a:bodyPr rtlCol="0" anchor="ctr"/>
+          <a:lstStyle/>
+          <a:p>
+            <a:pPr algn="ctr"/>
+            <a:r>
+              <a:rPr lang="en-US" sz="11500" b="1" spc="600" dirty="0">
+                <a:latin typeface="Arial" panose="020B0604020202020204" pitchFamily="34" charset="0"/>
+                <a:cs typeface="Arial" panose="020B0604020202020204" pitchFamily="34" charset="0"/>
+              </a:rPr>
+              <a:t>Control</a:t>
+            </a:r>
+          </a:p>
+        </p:txBody>
+      </p:sp>
+    </p:spTree>
+    <p:extLst>
+      <p:ext uri="{BB962C8B-B14F-4D97-AF65-F5344CB8AC3E}">
+        <p14:creationId xmlns:p14="http://schemas.microsoft.com/office/powerpoint/2010/main" val="3224717936"/>
       </p:ext>
     </p:extLst>
   </p:cSld>

--- a/Files/LOGO.pptx
+++ b/Files/LOGO.pptx
@@ -7,6 +7,7 @@
   <p:sldIdLst>
     <p:sldId id="256" r:id="rId2"/>
     <p:sldId id="257" r:id="rId3"/>
+    <p:sldId id="258" r:id="rId4"/>
   </p:sldIdLst>
   <p:sldSz cx="12192000" cy="6858000"/>
   <p:notesSz cx="6858000" cy="9144000"/>
@@ -244,7 +245,7 @@
           <a:p>
             <a:fld id="{9634CD8C-1A63-4A11-BBCD-8223A124EB2B}" type="datetimeFigureOut">
               <a:rPr lang="en-GB" smtClean="0"/>
-              <a:t>18/04/2019</a:t>
+              <a:t>27/04/2019</a:t>
             </a:fld>
             <a:endParaRPr lang="en-GB"/>
           </a:p>
@@ -414,7 +415,7 @@
           <a:p>
             <a:fld id="{9634CD8C-1A63-4A11-BBCD-8223A124EB2B}" type="datetimeFigureOut">
               <a:rPr lang="en-GB" smtClean="0"/>
-              <a:t>18/04/2019</a:t>
+              <a:t>27/04/2019</a:t>
             </a:fld>
             <a:endParaRPr lang="en-GB"/>
           </a:p>
@@ -594,7 +595,7 @@
           <a:p>
             <a:fld id="{9634CD8C-1A63-4A11-BBCD-8223A124EB2B}" type="datetimeFigureOut">
               <a:rPr lang="en-GB" smtClean="0"/>
-              <a:t>18/04/2019</a:t>
+              <a:t>27/04/2019</a:t>
             </a:fld>
             <a:endParaRPr lang="en-GB"/>
           </a:p>
@@ -764,7 +765,7 @@
           <a:p>
             <a:fld id="{9634CD8C-1A63-4A11-BBCD-8223A124EB2B}" type="datetimeFigureOut">
               <a:rPr lang="en-GB" smtClean="0"/>
-              <a:t>18/04/2019</a:t>
+              <a:t>27/04/2019</a:t>
             </a:fld>
             <a:endParaRPr lang="en-GB"/>
           </a:p>
@@ -1010,7 +1011,7 @@
           <a:p>
             <a:fld id="{9634CD8C-1A63-4A11-BBCD-8223A124EB2B}" type="datetimeFigureOut">
               <a:rPr lang="en-GB" smtClean="0"/>
-              <a:t>18/04/2019</a:t>
+              <a:t>27/04/2019</a:t>
             </a:fld>
             <a:endParaRPr lang="en-GB"/>
           </a:p>
@@ -1242,7 +1243,7 @@
           <a:p>
             <a:fld id="{9634CD8C-1A63-4A11-BBCD-8223A124EB2B}" type="datetimeFigureOut">
               <a:rPr lang="en-GB" smtClean="0"/>
-              <a:t>18/04/2019</a:t>
+              <a:t>27/04/2019</a:t>
             </a:fld>
             <a:endParaRPr lang="en-GB"/>
           </a:p>
@@ -1609,7 +1610,7 @@
           <a:p>
             <a:fld id="{9634CD8C-1A63-4A11-BBCD-8223A124EB2B}" type="datetimeFigureOut">
               <a:rPr lang="en-GB" smtClean="0"/>
-              <a:t>18/04/2019</a:t>
+              <a:t>27/04/2019</a:t>
             </a:fld>
             <a:endParaRPr lang="en-GB"/>
           </a:p>
@@ -1727,7 +1728,7 @@
           <a:p>
             <a:fld id="{9634CD8C-1A63-4A11-BBCD-8223A124EB2B}" type="datetimeFigureOut">
               <a:rPr lang="en-GB" smtClean="0"/>
-              <a:t>18/04/2019</a:t>
+              <a:t>27/04/2019</a:t>
             </a:fld>
             <a:endParaRPr lang="en-GB"/>
           </a:p>
@@ -1822,7 +1823,7 @@
           <a:p>
             <a:fld id="{9634CD8C-1A63-4A11-BBCD-8223A124EB2B}" type="datetimeFigureOut">
               <a:rPr lang="en-GB" smtClean="0"/>
-              <a:t>18/04/2019</a:t>
+              <a:t>27/04/2019</a:t>
             </a:fld>
             <a:endParaRPr lang="en-GB"/>
           </a:p>
@@ -2099,7 +2100,7 @@
           <a:p>
             <a:fld id="{9634CD8C-1A63-4A11-BBCD-8223A124EB2B}" type="datetimeFigureOut">
               <a:rPr lang="en-GB" smtClean="0"/>
-              <a:t>18/04/2019</a:t>
+              <a:t>27/04/2019</a:t>
             </a:fld>
             <a:endParaRPr lang="en-GB"/>
           </a:p>
@@ -2352,7 +2353,7 @@
           <a:p>
             <a:fld id="{9634CD8C-1A63-4A11-BBCD-8223A124EB2B}" type="datetimeFigureOut">
               <a:rPr lang="en-GB" smtClean="0"/>
-              <a:t>18/04/2019</a:t>
+              <a:t>27/04/2019</a:t>
             </a:fld>
             <a:endParaRPr lang="en-GB"/>
           </a:p>
@@ -2565,7 +2566,7 @@
           <a:p>
             <a:fld id="{9634CD8C-1A63-4A11-BBCD-8223A124EB2B}" type="datetimeFigureOut">
               <a:rPr lang="en-GB" smtClean="0"/>
-              <a:t>18/04/2019</a:t>
+              <a:t>27/04/2019</a:t>
             </a:fld>
             <a:endParaRPr lang="en-GB"/>
           </a:p>
@@ -3417,6 +3418,12 @@
           <a:prstGeom prst="roundRect">
             <a:avLst/>
           </a:prstGeom>
+          <a:solidFill>
+            <a:srgbClr val="212121"/>
+          </a:solidFill>
+          <a:ln>
+            <a:noFill/>
+          </a:ln>
         </p:spPr>
         <p:style>
           <a:lnRef idx="2">
@@ -3856,6 +3863,689 @@
     <p:extLst>
       <p:ext uri="{BB962C8B-B14F-4D97-AF65-F5344CB8AC3E}">
         <p14:creationId xmlns:p14="http://schemas.microsoft.com/office/powerpoint/2010/main" val="3224717936"/>
+      </p:ext>
+    </p:extLst>
+  </p:cSld>
+  <p:clrMapOvr>
+    <a:masterClrMapping/>
+  </p:clrMapOvr>
+</p:sld>
+</file>
+
+<file path=ppt/slides/slide3.xml><?xml version="1.0" encoding="utf-8"?>
+<p:sld xmlns:a="http://schemas.openxmlformats.org/drawingml/2006/main" xmlns:r="http://schemas.openxmlformats.org/officeDocument/2006/relationships" xmlns:p="http://schemas.openxmlformats.org/presentationml/2006/main">
+  <p:cSld>
+    <p:spTree>
+      <p:nvGrpSpPr>
+        <p:cNvPr id="1" name=""/>
+        <p:cNvGrpSpPr/>
+        <p:nvPr/>
+      </p:nvGrpSpPr>
+      <p:grpSpPr>
+        <a:xfrm>
+          <a:off x="0" y="0"/>
+          <a:ext cx="0" cy="0"/>
+          <a:chOff x="0" y="0"/>
+          <a:chExt cx="0" cy="0"/>
+        </a:xfrm>
+      </p:grpSpPr>
+      <p:sp>
+        <p:nvSpPr>
+          <p:cNvPr id="8" name="Rectangle 7"/>
+          <p:cNvSpPr/>
+          <p:nvPr/>
+        </p:nvSpPr>
+        <p:spPr>
+          <a:xfrm>
+            <a:off x="1720082" y="-1938792"/>
+            <a:ext cx="10145486" cy="10145486"/>
+          </a:xfrm>
+          <a:prstGeom prst="rect">
+            <a:avLst/>
+          </a:prstGeom>
+          <a:solidFill>
+            <a:schemeClr val="bg1"/>
+          </a:solidFill>
+          <a:ln>
+            <a:noFill/>
+          </a:ln>
+        </p:spPr>
+        <p:style>
+          <a:lnRef idx="2">
+            <a:schemeClr val="accent1">
+              <a:shade val="50000"/>
+            </a:schemeClr>
+          </a:lnRef>
+          <a:fillRef idx="1">
+            <a:schemeClr val="accent1"/>
+          </a:fillRef>
+          <a:effectRef idx="0">
+            <a:schemeClr val="accent1"/>
+          </a:effectRef>
+          <a:fontRef idx="minor">
+            <a:schemeClr val="lt1"/>
+          </a:fontRef>
+        </p:style>
+        <p:txBody>
+          <a:bodyPr rtlCol="0" anchor="ctr"/>
+          <a:lstStyle/>
+          <a:p>
+            <a:pPr algn="ctr"/>
+            <a:endParaRPr lang="en-GB"/>
+          </a:p>
+        </p:txBody>
+      </p:sp>
+      <p:cxnSp>
+        <p:nvCxnSpPr>
+          <p:cNvPr id="14" name="Straight Connector 13"/>
+          <p:cNvCxnSpPr/>
+          <p:nvPr/>
+        </p:nvCxnSpPr>
+        <p:spPr>
+          <a:xfrm flipV="1">
+            <a:off x="1710871" y="-1938792"/>
+            <a:ext cx="10145486" cy="10145486"/>
+          </a:xfrm>
+          <a:prstGeom prst="line">
+            <a:avLst/>
+          </a:prstGeom>
+          <a:ln w="76200">
+            <a:solidFill>
+              <a:schemeClr val="tx1">
+                <a:lumMod val="50000"/>
+                <a:lumOff val="50000"/>
+              </a:schemeClr>
+            </a:solidFill>
+            <a:prstDash val="lgDash"/>
+          </a:ln>
+        </p:spPr>
+        <p:style>
+          <a:lnRef idx="1">
+            <a:schemeClr val="accent1"/>
+          </a:lnRef>
+          <a:fillRef idx="0">
+            <a:schemeClr val="accent1"/>
+          </a:fillRef>
+          <a:effectRef idx="0">
+            <a:schemeClr val="accent1"/>
+          </a:effectRef>
+          <a:fontRef idx="minor">
+            <a:schemeClr val="tx1"/>
+          </a:fontRef>
+        </p:style>
+      </p:cxnSp>
+      <p:sp>
+        <p:nvSpPr>
+          <p:cNvPr id="4" name="Rounded Rectangle 3">
+            <a:extLst>
+              <a:ext uri="{FF2B5EF4-FFF2-40B4-BE49-F238E27FC236}">
+                <a16:creationId xmlns:a16="http://schemas.microsoft.com/office/drawing/2014/main" id="{565AFB9D-0231-F545-B44E-FFBF54DD4642}"/>
+              </a:ext>
+            </a:extLst>
+          </p:cNvPr>
+          <p:cNvSpPr/>
+          <p:nvPr/>
+        </p:nvSpPr>
+        <p:spPr>
+          <a:xfrm>
+            <a:off x="2824982" y="3829091"/>
+            <a:ext cx="1578289" cy="3641003"/>
+          </a:xfrm>
+          <a:prstGeom prst="roundRect">
+            <a:avLst/>
+          </a:prstGeom>
+          <a:solidFill>
+            <a:srgbClr val="212121"/>
+          </a:solidFill>
+          <a:ln>
+            <a:noFill/>
+          </a:ln>
+        </p:spPr>
+        <p:style>
+          <a:lnRef idx="2">
+            <a:schemeClr val="dk1">
+              <a:shade val="50000"/>
+            </a:schemeClr>
+          </a:lnRef>
+          <a:fillRef idx="1">
+            <a:schemeClr val="dk1"/>
+          </a:fillRef>
+          <a:effectRef idx="0">
+            <a:schemeClr val="dk1"/>
+          </a:effectRef>
+          <a:fontRef idx="minor">
+            <a:schemeClr val="lt1"/>
+          </a:fontRef>
+        </p:style>
+        <p:txBody>
+          <a:bodyPr rtlCol="0" anchor="ctr"/>
+          <a:lstStyle/>
+          <a:p>
+            <a:pPr algn="ctr"/>
+            <a:endParaRPr lang="en-GB" b="1"/>
+          </a:p>
+        </p:txBody>
+      </p:sp>
+      <p:sp>
+        <p:nvSpPr>
+          <p:cNvPr id="5" name="Oval 4">
+            <a:extLst>
+              <a:ext uri="{FF2B5EF4-FFF2-40B4-BE49-F238E27FC236}">
+                <a16:creationId xmlns:a16="http://schemas.microsoft.com/office/drawing/2014/main" id="{9084FD23-88D0-7B41-B853-870E4F23B8DE}"/>
+              </a:ext>
+            </a:extLst>
+          </p:cNvPr>
+          <p:cNvSpPr/>
+          <p:nvPr/>
+        </p:nvSpPr>
+        <p:spPr>
+          <a:xfrm>
+            <a:off x="3204337" y="4093937"/>
+            <a:ext cx="819578" cy="819578"/>
+          </a:xfrm>
+          <a:prstGeom prst="ellipse">
+            <a:avLst/>
+          </a:prstGeom>
+          <a:solidFill>
+            <a:srgbClr val="FF6161"/>
+          </a:solidFill>
+          <a:ln>
+            <a:noFill/>
+          </a:ln>
+        </p:spPr>
+        <p:style>
+          <a:lnRef idx="2">
+            <a:schemeClr val="accent1">
+              <a:shade val="50000"/>
+            </a:schemeClr>
+          </a:lnRef>
+          <a:fillRef idx="1">
+            <a:schemeClr val="accent1"/>
+          </a:fillRef>
+          <a:effectRef idx="0">
+            <a:schemeClr val="accent1"/>
+          </a:effectRef>
+          <a:fontRef idx="minor">
+            <a:schemeClr val="lt1"/>
+          </a:fontRef>
+        </p:style>
+        <p:txBody>
+          <a:bodyPr rtlCol="0" anchor="ctr"/>
+          <a:lstStyle/>
+          <a:p>
+            <a:pPr algn="ctr"/>
+            <a:endParaRPr lang="en-GB" b="1"/>
+          </a:p>
+        </p:txBody>
+      </p:sp>
+      <p:sp>
+        <p:nvSpPr>
+          <p:cNvPr id="6" name="Oval 5">
+            <a:extLst>
+              <a:ext uri="{FF2B5EF4-FFF2-40B4-BE49-F238E27FC236}">
+                <a16:creationId xmlns:a16="http://schemas.microsoft.com/office/drawing/2014/main" id="{12C82CFD-08C7-994C-A4E1-1EBFB6FFC5E4}"/>
+              </a:ext>
+            </a:extLst>
+          </p:cNvPr>
+          <p:cNvSpPr/>
+          <p:nvPr/>
+        </p:nvSpPr>
+        <p:spPr>
+          <a:xfrm>
+            <a:off x="3204337" y="6385669"/>
+            <a:ext cx="819578" cy="819578"/>
+          </a:xfrm>
+          <a:prstGeom prst="ellipse">
+            <a:avLst/>
+          </a:prstGeom>
+          <a:solidFill>
+            <a:srgbClr val="92D050"/>
+          </a:solidFill>
+          <a:ln>
+            <a:noFill/>
+          </a:ln>
+        </p:spPr>
+        <p:style>
+          <a:lnRef idx="2">
+            <a:schemeClr val="accent1">
+              <a:shade val="50000"/>
+            </a:schemeClr>
+          </a:lnRef>
+          <a:fillRef idx="1">
+            <a:schemeClr val="accent1"/>
+          </a:fillRef>
+          <a:effectRef idx="0">
+            <a:schemeClr val="accent1"/>
+          </a:effectRef>
+          <a:fontRef idx="minor">
+            <a:schemeClr val="lt1"/>
+          </a:fontRef>
+        </p:style>
+        <p:txBody>
+          <a:bodyPr rtlCol="0" anchor="ctr"/>
+          <a:lstStyle/>
+          <a:p>
+            <a:pPr algn="ctr"/>
+            <a:endParaRPr lang="en-GB" b="1"/>
+          </a:p>
+        </p:txBody>
+      </p:sp>
+      <p:sp>
+        <p:nvSpPr>
+          <p:cNvPr id="7" name="Oval 6">
+            <a:extLst>
+              <a:ext uri="{FF2B5EF4-FFF2-40B4-BE49-F238E27FC236}">
+                <a16:creationId xmlns:a16="http://schemas.microsoft.com/office/drawing/2014/main" id="{D8DD0C36-2E93-C44B-AF75-EDFC49C31737}"/>
+              </a:ext>
+            </a:extLst>
+          </p:cNvPr>
+          <p:cNvSpPr/>
+          <p:nvPr/>
+        </p:nvSpPr>
+        <p:spPr>
+          <a:xfrm>
+            <a:off x="3204337" y="5239803"/>
+            <a:ext cx="819578" cy="819578"/>
+          </a:xfrm>
+          <a:prstGeom prst="ellipse">
+            <a:avLst/>
+          </a:prstGeom>
+          <a:solidFill>
+            <a:srgbClr val="FFC000"/>
+          </a:solidFill>
+          <a:ln>
+            <a:noFill/>
+          </a:ln>
+        </p:spPr>
+        <p:style>
+          <a:lnRef idx="2">
+            <a:schemeClr val="accent1">
+              <a:shade val="50000"/>
+            </a:schemeClr>
+          </a:lnRef>
+          <a:fillRef idx="1">
+            <a:schemeClr val="accent1"/>
+          </a:fillRef>
+          <a:effectRef idx="0">
+            <a:schemeClr val="accent1"/>
+          </a:effectRef>
+          <a:fontRef idx="minor">
+            <a:schemeClr val="lt1"/>
+          </a:fontRef>
+        </p:style>
+        <p:txBody>
+          <a:bodyPr rtlCol="0" anchor="ctr"/>
+          <a:lstStyle/>
+          <a:p>
+            <a:pPr algn="ctr"/>
+            <a:endParaRPr lang="en-GB" b="1"/>
+          </a:p>
+        </p:txBody>
+      </p:sp>
+      <p:sp>
+        <p:nvSpPr>
+          <p:cNvPr id="9" name="Rounded Rectangle 8">
+            <a:extLst>
+              <a:ext uri="{FF2B5EF4-FFF2-40B4-BE49-F238E27FC236}">
+                <a16:creationId xmlns:a16="http://schemas.microsoft.com/office/drawing/2014/main" id="{565AFB9D-0231-F545-B44E-FFBF54DD4642}"/>
+              </a:ext>
+            </a:extLst>
+          </p:cNvPr>
+          <p:cNvSpPr/>
+          <p:nvPr/>
+        </p:nvSpPr>
+        <p:spPr>
+          <a:xfrm>
+            <a:off x="9502740" y="-1443492"/>
+            <a:ext cx="1578289" cy="3641003"/>
+          </a:xfrm>
+          <a:prstGeom prst="roundRect">
+            <a:avLst/>
+          </a:prstGeom>
+          <a:solidFill>
+            <a:srgbClr val="212121"/>
+          </a:solidFill>
+          <a:ln>
+            <a:noFill/>
+          </a:ln>
+        </p:spPr>
+        <p:style>
+          <a:lnRef idx="2">
+            <a:schemeClr val="dk1">
+              <a:shade val="50000"/>
+            </a:schemeClr>
+          </a:lnRef>
+          <a:fillRef idx="1">
+            <a:schemeClr val="dk1"/>
+          </a:fillRef>
+          <a:effectRef idx="0">
+            <a:schemeClr val="dk1"/>
+          </a:effectRef>
+          <a:fontRef idx="minor">
+            <a:schemeClr val="lt1"/>
+          </a:fontRef>
+        </p:style>
+        <p:txBody>
+          <a:bodyPr rtlCol="0" anchor="ctr"/>
+          <a:lstStyle/>
+          <a:p>
+            <a:pPr algn="ctr"/>
+            <a:endParaRPr lang="en-GB" b="1"/>
+          </a:p>
+        </p:txBody>
+      </p:sp>
+      <p:sp>
+        <p:nvSpPr>
+          <p:cNvPr id="10" name="Oval 9">
+            <a:extLst>
+              <a:ext uri="{FF2B5EF4-FFF2-40B4-BE49-F238E27FC236}">
+                <a16:creationId xmlns:a16="http://schemas.microsoft.com/office/drawing/2014/main" id="{9084FD23-88D0-7B41-B853-870E4F23B8DE}"/>
+              </a:ext>
+            </a:extLst>
+          </p:cNvPr>
+          <p:cNvSpPr/>
+          <p:nvPr/>
+        </p:nvSpPr>
+        <p:spPr>
+          <a:xfrm>
+            <a:off x="9882095" y="-1178646"/>
+            <a:ext cx="819578" cy="819578"/>
+          </a:xfrm>
+          <a:prstGeom prst="ellipse">
+            <a:avLst/>
+          </a:prstGeom>
+          <a:solidFill>
+            <a:srgbClr val="FF6161"/>
+          </a:solidFill>
+          <a:ln>
+            <a:noFill/>
+          </a:ln>
+        </p:spPr>
+        <p:style>
+          <a:lnRef idx="2">
+            <a:schemeClr val="accent1">
+              <a:shade val="50000"/>
+            </a:schemeClr>
+          </a:lnRef>
+          <a:fillRef idx="1">
+            <a:schemeClr val="accent1"/>
+          </a:fillRef>
+          <a:effectRef idx="0">
+            <a:schemeClr val="accent1"/>
+          </a:effectRef>
+          <a:fontRef idx="minor">
+            <a:schemeClr val="lt1"/>
+          </a:fontRef>
+        </p:style>
+        <p:txBody>
+          <a:bodyPr rtlCol="0" anchor="ctr"/>
+          <a:lstStyle/>
+          <a:p>
+            <a:pPr algn="ctr"/>
+            <a:endParaRPr lang="en-GB" b="1"/>
+          </a:p>
+        </p:txBody>
+      </p:sp>
+      <p:sp>
+        <p:nvSpPr>
+          <p:cNvPr id="11" name="Oval 10">
+            <a:extLst>
+              <a:ext uri="{FF2B5EF4-FFF2-40B4-BE49-F238E27FC236}">
+                <a16:creationId xmlns:a16="http://schemas.microsoft.com/office/drawing/2014/main" id="{12C82CFD-08C7-994C-A4E1-1EBFB6FFC5E4}"/>
+              </a:ext>
+            </a:extLst>
+          </p:cNvPr>
+          <p:cNvSpPr/>
+          <p:nvPr/>
+        </p:nvSpPr>
+        <p:spPr>
+          <a:xfrm>
+            <a:off x="9882095" y="1113086"/>
+            <a:ext cx="819578" cy="819578"/>
+          </a:xfrm>
+          <a:prstGeom prst="ellipse">
+            <a:avLst/>
+          </a:prstGeom>
+          <a:solidFill>
+            <a:srgbClr val="92D050"/>
+          </a:solidFill>
+          <a:ln>
+            <a:noFill/>
+          </a:ln>
+        </p:spPr>
+        <p:style>
+          <a:lnRef idx="2">
+            <a:schemeClr val="accent1">
+              <a:shade val="50000"/>
+            </a:schemeClr>
+          </a:lnRef>
+          <a:fillRef idx="1">
+            <a:schemeClr val="accent1"/>
+          </a:fillRef>
+          <a:effectRef idx="0">
+            <a:schemeClr val="accent1"/>
+          </a:effectRef>
+          <a:fontRef idx="minor">
+            <a:schemeClr val="lt1"/>
+          </a:fontRef>
+        </p:style>
+        <p:txBody>
+          <a:bodyPr rtlCol="0" anchor="ctr"/>
+          <a:lstStyle/>
+          <a:p>
+            <a:pPr algn="ctr"/>
+            <a:endParaRPr lang="en-GB" b="1"/>
+          </a:p>
+        </p:txBody>
+      </p:sp>
+      <p:sp>
+        <p:nvSpPr>
+          <p:cNvPr id="12" name="Oval 11">
+            <a:extLst>
+              <a:ext uri="{FF2B5EF4-FFF2-40B4-BE49-F238E27FC236}">
+                <a16:creationId xmlns:a16="http://schemas.microsoft.com/office/drawing/2014/main" id="{D8DD0C36-2E93-C44B-AF75-EDFC49C31737}"/>
+              </a:ext>
+            </a:extLst>
+          </p:cNvPr>
+          <p:cNvSpPr/>
+          <p:nvPr/>
+        </p:nvSpPr>
+        <p:spPr>
+          <a:xfrm>
+            <a:off x="9882095" y="-32780"/>
+            <a:ext cx="819578" cy="819578"/>
+          </a:xfrm>
+          <a:prstGeom prst="ellipse">
+            <a:avLst/>
+          </a:prstGeom>
+          <a:solidFill>
+            <a:srgbClr val="FFC000"/>
+          </a:solidFill>
+          <a:ln>
+            <a:noFill/>
+          </a:ln>
+        </p:spPr>
+        <p:style>
+          <a:lnRef idx="2">
+            <a:schemeClr val="accent1">
+              <a:shade val="50000"/>
+            </a:schemeClr>
+          </a:lnRef>
+          <a:fillRef idx="1">
+            <a:schemeClr val="accent1"/>
+          </a:fillRef>
+          <a:effectRef idx="0">
+            <a:schemeClr val="accent1"/>
+          </a:effectRef>
+          <a:fontRef idx="minor">
+            <a:schemeClr val="lt1"/>
+          </a:fontRef>
+        </p:style>
+        <p:txBody>
+          <a:bodyPr rtlCol="0" anchor="ctr"/>
+          <a:lstStyle/>
+          <a:p>
+            <a:pPr algn="ctr"/>
+            <a:endParaRPr lang="en-GB" b="1"/>
+          </a:p>
+        </p:txBody>
+      </p:sp>
+      <p:cxnSp>
+        <p:nvCxnSpPr>
+          <p:cNvPr id="16" name="Straight Connector 15"/>
+          <p:cNvCxnSpPr/>
+          <p:nvPr/>
+        </p:nvCxnSpPr>
+        <p:spPr>
+          <a:xfrm flipV="1">
+            <a:off x="1661885" y="-1938792"/>
+            <a:ext cx="6852307" cy="6852308"/>
+          </a:xfrm>
+          <a:prstGeom prst="line">
+            <a:avLst/>
+          </a:prstGeom>
+          <a:ln w="76200">
+            <a:solidFill>
+              <a:schemeClr val="tx1">
+                <a:lumMod val="50000"/>
+                <a:lumOff val="50000"/>
+              </a:schemeClr>
+            </a:solidFill>
+            <a:prstDash val="solid"/>
+          </a:ln>
+        </p:spPr>
+        <p:style>
+          <a:lnRef idx="1">
+            <a:schemeClr val="accent1"/>
+          </a:lnRef>
+          <a:fillRef idx="0">
+            <a:schemeClr val="accent1"/>
+          </a:fillRef>
+          <a:effectRef idx="0">
+            <a:schemeClr val="accent1"/>
+          </a:effectRef>
+          <a:fontRef idx="minor">
+            <a:schemeClr val="tx1"/>
+          </a:fontRef>
+        </p:style>
+      </p:cxnSp>
+      <p:cxnSp>
+        <p:nvCxnSpPr>
+          <p:cNvPr id="19" name="Straight Connector 18"/>
+          <p:cNvCxnSpPr/>
+          <p:nvPr/>
+        </p:nvCxnSpPr>
+        <p:spPr>
+          <a:xfrm flipV="1">
+            <a:off x="5004050" y="1354386"/>
+            <a:ext cx="6852307" cy="6852308"/>
+          </a:xfrm>
+          <a:prstGeom prst="line">
+            <a:avLst/>
+          </a:prstGeom>
+          <a:ln w="76200">
+            <a:solidFill>
+              <a:schemeClr val="tx1">
+                <a:lumMod val="50000"/>
+                <a:lumOff val="50000"/>
+              </a:schemeClr>
+            </a:solidFill>
+            <a:prstDash val="solid"/>
+          </a:ln>
+        </p:spPr>
+        <p:style>
+          <a:lnRef idx="1">
+            <a:schemeClr val="accent1"/>
+          </a:lnRef>
+          <a:fillRef idx="0">
+            <a:schemeClr val="accent1"/>
+          </a:fillRef>
+          <a:effectRef idx="0">
+            <a:schemeClr val="accent1"/>
+          </a:effectRef>
+          <a:fontRef idx="minor">
+            <a:schemeClr val="tx1"/>
+          </a:fontRef>
+        </p:style>
+      </p:cxnSp>
+      <p:pic>
+        <p:nvPicPr>
+          <p:cNvPr id="22" name="Picture 21"/>
+          <p:cNvPicPr>
+            <a:picLocks noChangeAspect="1"/>
+          </p:cNvPicPr>
+          <p:nvPr/>
+        </p:nvPicPr>
+        <p:blipFill>
+          <a:blip r:embed="rId2" cstate="print">
+            <a:duotone>
+              <a:schemeClr val="accent4">
+                <a:shade val="45000"/>
+                <a:satMod val="135000"/>
+              </a:schemeClr>
+              <a:prstClr val="white"/>
+            </a:duotone>
+            <a:extLst>
+              <a:ext uri="{28A0092B-C50C-407E-A947-70E740481C1C}">
+                <a14:useLocalDpi xmlns:a14="http://schemas.microsoft.com/office/drawing/2010/main" val="0"/>
+              </a:ext>
+            </a:extLst>
+          </a:blip>
+          <a:stretch>
+            <a:fillRect/>
+          </a:stretch>
+        </p:blipFill>
+        <p:spPr>
+          <a:xfrm>
+            <a:off x="2423201" y="-1432785"/>
+            <a:ext cx="1980070" cy="1980070"/>
+          </a:xfrm>
+          <a:prstGeom prst="rect">
+            <a:avLst/>
+          </a:prstGeom>
+        </p:spPr>
+      </p:pic>
+      <p:pic>
+        <p:nvPicPr>
+          <p:cNvPr id="23" name="Picture 22"/>
+          <p:cNvPicPr>
+            <a:picLocks noChangeAspect="1"/>
+          </p:cNvPicPr>
+          <p:nvPr/>
+        </p:nvPicPr>
+        <p:blipFill>
+          <a:blip r:embed="rId2" cstate="print">
+            <a:duotone>
+              <a:schemeClr val="accent4">
+                <a:shade val="45000"/>
+                <a:satMod val="135000"/>
+              </a:schemeClr>
+              <a:prstClr val="white"/>
+            </a:duotone>
+            <a:extLst>
+              <a:ext uri="{28A0092B-C50C-407E-A947-70E740481C1C}">
+                <a14:useLocalDpi xmlns:a14="http://schemas.microsoft.com/office/drawing/2010/main" val="0"/>
+              </a:ext>
+            </a:extLst>
+          </a:blip>
+          <a:stretch>
+            <a:fillRect/>
+          </a:stretch>
+        </p:blipFill>
+        <p:spPr>
+          <a:xfrm>
+            <a:off x="9301849" y="5490689"/>
+            <a:ext cx="1980070" cy="1980070"/>
+          </a:xfrm>
+          <a:prstGeom prst="rect">
+            <a:avLst/>
+          </a:prstGeom>
+        </p:spPr>
+      </p:pic>
+    </p:spTree>
+    <p:extLst>
+      <p:ext uri="{BB962C8B-B14F-4D97-AF65-F5344CB8AC3E}">
+        <p14:creationId xmlns:p14="http://schemas.microsoft.com/office/powerpoint/2010/main" val="1592622977"/>
       </p:ext>
     </p:extLst>
   </p:cSld>
